--- a/Présentation_Sonagets_Chabrol.pptx
+++ b/Présentation_Sonagets_Chabrol.pptx
@@ -7,11 +7,13 @@
   <p:sldIdLst>
     <p:sldId id="256" r:id="rId2"/>
     <p:sldId id="257" r:id="rId3"/>
-    <p:sldId id="258" r:id="rId4"/>
-    <p:sldId id="259" r:id="rId5"/>
-    <p:sldId id="260" r:id="rId6"/>
-    <p:sldId id="262" r:id="rId7"/>
-    <p:sldId id="261" r:id="rId8"/>
+    <p:sldId id="263" r:id="rId4"/>
+    <p:sldId id="258" r:id="rId5"/>
+    <p:sldId id="264" r:id="rId6"/>
+    <p:sldId id="259" r:id="rId7"/>
+    <p:sldId id="260" r:id="rId8"/>
+    <p:sldId id="262" r:id="rId9"/>
+    <p:sldId id="261" r:id="rId10"/>
   </p:sldIdLst>
   <p:sldSz cx="12192000" cy="6858000"/>
   <p:notesSz cx="6858000" cy="9144000"/>
@@ -117,7 +119,9 @@
           <p14:sldIdLst>
             <p14:sldId id="256"/>
             <p14:sldId id="257"/>
+            <p14:sldId id="263"/>
             <p14:sldId id="258"/>
+            <p14:sldId id="264"/>
             <p14:sldId id="259"/>
             <p14:sldId id="260"/>
             <p14:sldId id="262"/>
@@ -127,7 +131,18 @@
       </p14:sectionLst>
     </p:ext>
     <p:ext uri="{EFAFB233-063F-42B5-8137-9DF3F51BA10A}">
-      <p15:sldGuideLst xmlns:p15="http://schemas.microsoft.com/office/powerpoint/2012/main"/>
+      <p15:sldGuideLst xmlns:p15="http://schemas.microsoft.com/office/powerpoint/2012/main">
+        <p15:guide id="1" orient="horz" pos="2160">
+          <p15:clr>
+            <a:srgbClr val="A4A3A4"/>
+          </p15:clr>
+        </p15:guide>
+        <p15:guide id="2" pos="3840">
+          <p15:clr>
+            <a:srgbClr val="A4A3A4"/>
+          </p15:clr>
+        </p15:guide>
+      </p15:sldGuideLst>
     </p:ext>
   </p:extLst>
 </p:presentation>
@@ -363,7 +378,7 @@
             <a:fld id="{B61BEF0D-F0BB-DE4B-95CE-6DB70DBA9567}" type="datetimeFigureOut">
               <a:rPr lang="en-US" dirty="0"/>
               <a:pPr/>
-              <a:t>5/15/2016</a:t>
+              <a:t>5/17/2016</a:t>
             </a:fld>
             <a:endParaRPr lang="en-US" dirty="0"/>
           </a:p>
@@ -694,7 +709,7 @@
             <a:fld id="{B61BEF0D-F0BB-DE4B-95CE-6DB70DBA9567}" type="datetimeFigureOut">
               <a:rPr lang="en-US" dirty="0"/>
               <a:pPr/>
-              <a:t>5/15/2016</a:t>
+              <a:t>5/17/2016</a:t>
             </a:fld>
             <a:endParaRPr lang="en-US" dirty="0"/>
           </a:p>
@@ -969,7 +984,7 @@
             <a:fld id="{B61BEF0D-F0BB-DE4B-95CE-6DB70DBA9567}" type="datetimeFigureOut">
               <a:rPr lang="en-US" dirty="0"/>
               <a:pPr/>
-              <a:t>5/15/2016</a:t>
+              <a:t>5/17/2016</a:t>
             </a:fld>
             <a:endParaRPr lang="en-US" dirty="0"/>
           </a:p>
@@ -1534,7 +1549,7 @@
             <a:fld id="{B61BEF0D-F0BB-DE4B-95CE-6DB70DBA9567}" type="datetimeFigureOut">
               <a:rPr lang="en-US" dirty="0"/>
               <a:pPr/>
-              <a:t>5/15/2016</a:t>
+              <a:t>5/17/2016</a:t>
             </a:fld>
             <a:endParaRPr lang="en-US" dirty="0"/>
           </a:p>
@@ -1809,7 +1824,7 @@
             <a:fld id="{B61BEF0D-F0BB-DE4B-95CE-6DB70DBA9567}" type="datetimeFigureOut">
               <a:rPr lang="en-US" dirty="0"/>
               <a:pPr/>
-              <a:t>5/15/2016</a:t>
+              <a:t>5/17/2016</a:t>
             </a:fld>
             <a:endParaRPr lang="en-US" dirty="0"/>
           </a:p>
@@ -2368,7 +2383,7 @@
             <a:fld id="{B61BEF0D-F0BB-DE4B-95CE-6DB70DBA9567}" type="datetimeFigureOut">
               <a:rPr lang="en-US" dirty="0"/>
               <a:pPr/>
-              <a:t>5/15/2016</a:t>
+              <a:t>5/17/2016</a:t>
             </a:fld>
             <a:endParaRPr lang="en-US" dirty="0"/>
           </a:p>
@@ -2692,7 +2707,7 @@
             <a:fld id="{B61BEF0D-F0BB-DE4B-95CE-6DB70DBA9567}" type="datetimeFigureOut">
               <a:rPr lang="en-US" dirty="0"/>
               <a:pPr/>
-              <a:t>5/15/2016</a:t>
+              <a:t>5/17/2016</a:t>
             </a:fld>
             <a:endParaRPr lang="en-US" dirty="0"/>
           </a:p>
@@ -2894,7 +2909,7 @@
             <a:fld id="{B61BEF0D-F0BB-DE4B-95CE-6DB70DBA9567}" type="datetimeFigureOut">
               <a:rPr lang="en-US" dirty="0"/>
               <a:pPr/>
-              <a:t>5/15/2016</a:t>
+              <a:t>5/17/2016</a:t>
             </a:fld>
             <a:endParaRPr lang="en-US" dirty="0"/>
           </a:p>
@@ -3101,7 +3116,7 @@
             <a:fld id="{B61BEF0D-F0BB-DE4B-95CE-6DB70DBA9567}" type="datetimeFigureOut">
               <a:rPr lang="en-US" dirty="0"/>
               <a:pPr/>
-              <a:t>5/15/2016</a:t>
+              <a:t>5/17/2016</a:t>
             </a:fld>
             <a:endParaRPr lang="en-US" dirty="0"/>
           </a:p>
@@ -3298,7 +3313,7 @@
             <a:fld id="{B61BEF0D-F0BB-DE4B-95CE-6DB70DBA9567}" type="datetimeFigureOut">
               <a:rPr lang="en-US" dirty="0"/>
               <a:pPr/>
-              <a:t>5/15/2016</a:t>
+              <a:t>5/17/2016</a:t>
             </a:fld>
             <a:endParaRPr lang="en-US" dirty="0"/>
           </a:p>
@@ -3571,7 +3586,7 @@
             <a:fld id="{B61BEF0D-F0BB-DE4B-95CE-6DB70DBA9567}" type="datetimeFigureOut">
               <a:rPr lang="en-US" dirty="0"/>
               <a:pPr/>
-              <a:t>5/15/2016</a:t>
+              <a:t>5/17/2016</a:t>
             </a:fld>
             <a:endParaRPr lang="en-US" dirty="0"/>
           </a:p>
@@ -3834,7 +3849,7 @@
             <a:fld id="{B61BEF0D-F0BB-DE4B-95CE-6DB70DBA9567}" type="datetimeFigureOut">
               <a:rPr lang="en-US" dirty="0"/>
               <a:pPr/>
-              <a:t>5/15/2016</a:t>
+              <a:t>5/17/2016</a:t>
             </a:fld>
             <a:endParaRPr lang="en-US" dirty="0"/>
           </a:p>
@@ -4205,7 +4220,7 @@
             <a:fld id="{B61BEF0D-F0BB-DE4B-95CE-6DB70DBA9567}" type="datetimeFigureOut">
               <a:rPr lang="en-US" dirty="0"/>
               <a:pPr/>
-              <a:t>5/15/2016</a:t>
+              <a:t>5/17/2016</a:t>
             </a:fld>
             <a:endParaRPr lang="en-US" dirty="0"/>
           </a:p>
@@ -4350,7 +4365,7 @@
             <a:fld id="{B61BEF0D-F0BB-DE4B-95CE-6DB70DBA9567}" type="datetimeFigureOut">
               <a:rPr lang="en-US" dirty="0"/>
               <a:pPr/>
-              <a:t>5/15/2016</a:t>
+              <a:t>5/17/2016</a:t>
             </a:fld>
             <a:endParaRPr lang="en-US" dirty="0"/>
           </a:p>
@@ -4472,7 +4487,7 @@
             <a:fld id="{B61BEF0D-F0BB-DE4B-95CE-6DB70DBA9567}" type="datetimeFigureOut">
               <a:rPr lang="en-US" dirty="0"/>
               <a:pPr/>
-              <a:t>5/15/2016</a:t>
+              <a:t>5/17/2016</a:t>
             </a:fld>
             <a:endParaRPr lang="en-US" dirty="0"/>
           </a:p>
@@ -4754,7 +4769,7 @@
             <a:fld id="{B61BEF0D-F0BB-DE4B-95CE-6DB70DBA9567}" type="datetimeFigureOut">
               <a:rPr lang="en-US" dirty="0"/>
               <a:pPr/>
-              <a:t>5/15/2016</a:t>
+              <a:t>5/17/2016</a:t>
             </a:fld>
             <a:endParaRPr lang="en-US" dirty="0"/>
           </a:p>
@@ -5075,7 +5090,7 @@
             <a:fld id="{B61BEF0D-F0BB-DE4B-95CE-6DB70DBA9567}" type="datetimeFigureOut">
               <a:rPr lang="en-US" dirty="0"/>
               <a:pPr/>
-              <a:t>5/15/2016</a:t>
+              <a:t>5/17/2016</a:t>
             </a:fld>
             <a:endParaRPr lang="en-US" dirty="0"/>
           </a:p>
@@ -5286,7 +5301,7 @@
             <a:fld id="{B61BEF0D-F0BB-DE4B-95CE-6DB70DBA9567}" type="datetimeFigureOut">
               <a:rPr lang="en-US" dirty="0"/>
               <a:pPr/>
-              <a:t>5/15/2016</a:t>
+              <a:t>5/17/2016</a:t>
             </a:fld>
             <a:endParaRPr lang="en-US" dirty="0"/>
           </a:p>
@@ -5807,12 +5822,14 @@
         </p:nvSpPr>
         <p:spPr>
           <a:xfrm>
-            <a:off x="3501081" y="1129752"/>
-            <a:ext cx="7414054" cy="1704065"/>
-          </a:xfrm>
-        </p:spPr>
-        <p:txBody>
-          <a:bodyPr/>
+            <a:off x="642257" y="1129752"/>
+            <a:ext cx="10272878" cy="1704065"/>
+          </a:xfrm>
+        </p:spPr>
+        <p:txBody>
+          <a:bodyPr>
+            <a:normAutofit/>
+          </a:bodyPr>
           <a:lstStyle/>
           <a:p>
             <a:pPr algn="l"/>
@@ -5834,7 +5851,46 @@
                   </a:schemeClr>
                 </a:solidFill>
               </a:rPr>
-              <a:t> : un logiciel de stéganographie !</a:t>
+              <a:t> : </a:t>
+            </a:r>
+            <a:r>
+              <a:rPr lang="fr-FR" dirty="0" smtClean="0">
+                <a:solidFill>
+                  <a:schemeClr val="tx1">
+                    <a:lumMod val="75000"/>
+                  </a:schemeClr>
+                </a:solidFill>
+              </a:rPr>
+              <a:t/>
+            </a:r>
+            <a:br>
+              <a:rPr lang="fr-FR" dirty="0" smtClean="0">
+                <a:solidFill>
+                  <a:schemeClr val="tx1">
+                    <a:lumMod val="75000"/>
+                  </a:schemeClr>
+                </a:solidFill>
+              </a:rPr>
+            </a:br>
+            <a:r>
+              <a:rPr lang="fr-FR" dirty="0" smtClean="0">
+                <a:solidFill>
+                  <a:schemeClr val="tx1">
+                    <a:lumMod val="75000"/>
+                  </a:schemeClr>
+                </a:solidFill>
+              </a:rPr>
+              <a:t>un </a:t>
+            </a:r>
+            <a:r>
+              <a:rPr lang="fr-FR" dirty="0">
+                <a:solidFill>
+                  <a:schemeClr val="tx1">
+                    <a:lumMod val="75000"/>
+                  </a:schemeClr>
+                </a:solidFill>
+              </a:rPr>
+              <a:t>logiciel de stéganographie !</a:t>
             </a:r>
           </a:p>
         </p:txBody>
@@ -5902,16 +5958,13 @@
                   <a:schemeClr val="accent6"/>
                 </a:solidFill>
               </a:rPr>
-              <a:t>Mes </a:t>
-            </a:r>
-            <a:r>
-              <a:rPr lang="fr-FR" dirty="0">
-                <a:solidFill>
-                  <a:schemeClr val="accent6"/>
-                </a:solidFill>
-              </a:rPr>
-              <a:t>tâches</a:t>
-            </a:r>
+              <a:t>Le projet</a:t>
+            </a:r>
+            <a:endParaRPr lang="fr-FR" dirty="0">
+              <a:solidFill>
+                <a:schemeClr val="accent6"/>
+              </a:solidFill>
+            </a:endParaRPr>
           </a:p>
           <a:p>
             <a:pPr marL="342900" indent="-342900" algn="l">
@@ -5924,7 +5977,15 @@
                   <a:schemeClr val="accent6"/>
                 </a:solidFill>
               </a:rPr>
-              <a:t>Perceptives d’améliorations</a:t>
+              <a:t>Perceptives </a:t>
+            </a:r>
+            <a:r>
+              <a:rPr lang="fr-FR" dirty="0" smtClean="0">
+                <a:solidFill>
+                  <a:schemeClr val="accent6"/>
+                </a:solidFill>
+              </a:rPr>
+              <a:t>d’améliorations du site</a:t>
             </a:r>
             <a:endParaRPr lang="fr-FR" dirty="0">
               <a:solidFill>
@@ -5997,6 +6058,13 @@
   <p:clrMapOvr>
     <a:masterClrMapping/>
   </p:clrMapOvr>
+  <p:timing>
+    <p:tnLst>
+      <p:par>
+        <p:cTn id="1" dur="indefinite" restart="never" nodeType="tmRoot"/>
+      </p:par>
+    </p:tnLst>
+  </p:timing>
 </p:sld>
 </file>
 
@@ -6057,25 +6125,37 @@
           <a:p>
             <a:r>
               <a:rPr lang="fr-FR" dirty="0" smtClean="0"/>
-              <a:t>L’art de dissimuler</a:t>
+              <a:t>Idée initiale: créer un logiciel permettant de masquer des données </a:t>
+            </a:r>
+            <a:r>
+              <a:rPr lang="fr-FR" dirty="0" smtClean="0"/>
+              <a:t>et le diffuser.</a:t>
+            </a:r>
+            <a:endParaRPr lang="fr-FR" dirty="0" smtClean="0"/>
+          </a:p>
+          <a:p>
+            <a:r>
+              <a:rPr lang="fr-FR" dirty="0" smtClean="0"/>
+              <a:t>Principes </a:t>
+            </a:r>
+            <a:r>
+              <a:rPr lang="fr-FR" dirty="0" smtClean="0"/>
+              <a:t>de la stéganographie</a:t>
             </a:r>
             <a:endParaRPr lang="fr-FR" dirty="0"/>
           </a:p>
           <a:p>
             <a:r>
               <a:rPr lang="fr-FR" dirty="0" smtClean="0"/>
-              <a:t>Les limites de la </a:t>
-            </a:r>
-            <a:r>
-              <a:rPr lang="fr-FR" dirty="0" err="1" smtClean="0"/>
-              <a:t>stéganographie</a:t>
-            </a:r>
-            <a:endParaRPr lang="fr-FR" dirty="0"/>
-          </a:p>
-          <a:p>
+              <a:t>Les </a:t>
+            </a:r>
             <a:r>
               <a:rPr lang="fr-FR" dirty="0" smtClean="0"/>
-              <a:t>Idée initiale</a:t>
+              <a:t>limites de celle-ci</a:t>
+            </a:r>
+            <a:r>
+              <a:rPr lang="fr-FR" dirty="0"/>
+              <a:t>.</a:t>
             </a:r>
             <a:endParaRPr lang="fr-FR" dirty="0"/>
           </a:p>
@@ -6094,6 +6174,13 @@
   <p:clrMapOvr>
     <a:masterClrMapping/>
   </p:clrMapOvr>
+  <p:timing>
+    <p:tnLst>
+      <p:par>
+        <p:cTn id="1" dur="indefinite" restart="never" nodeType="tmRoot"/>
+      </p:par>
+    </p:tnLst>
+  </p:timing>
 </p:sld>
 </file>
 
@@ -6116,99 +6203,180 @@
       </p:grpSpPr>
       <p:sp>
         <p:nvSpPr>
-          <p:cNvPr id="2" name="Title 1"/>
-          <p:cNvSpPr>
-            <a:spLocks noGrp="1"/>
-          </p:cNvSpPr>
-          <p:nvPr>
-            <p:ph type="title"/>
-          </p:nvPr>
-        </p:nvSpPr>
-        <p:spPr/>
-        <p:txBody>
-          <a:bodyPr/>
+          <p:cNvPr id="3" name="Espace réservé du contenu 2"/>
+          <p:cNvSpPr>
+            <a:spLocks noGrp="1"/>
+          </p:cNvSpPr>
+          <p:nvPr>
+            <p:ph idx="1"/>
+          </p:nvPr>
+        </p:nvSpPr>
+        <p:spPr>
+          <a:xfrm>
+            <a:off x="251237" y="886581"/>
+            <a:ext cx="4012947" cy="3959969"/>
+          </a:xfrm>
+        </p:spPr>
+        <p:txBody>
+          <a:bodyPr>
+            <a:normAutofit fontScale="92500" lnSpcReduction="20000"/>
+          </a:bodyPr>
           <a:lstStyle/>
           <a:p>
             <a:r>
               <a:rPr lang="fr-FR" dirty="0"/>
-              <a:t>2</a:t>
+              <a:t>Principes de la </a:t>
+            </a:r>
+            <a:r>
+              <a:rPr lang="fr-FR" dirty="0" err="1" smtClean="0"/>
+              <a:t>stéganographie</a:t>
+            </a:r>
+            <a:endParaRPr lang="fr-FR" dirty="0" smtClean="0"/>
+          </a:p>
+          <a:p>
+            <a:endParaRPr lang="fr-FR" dirty="0"/>
+          </a:p>
+          <a:p>
+            <a:endParaRPr lang="fr-FR" dirty="0" smtClean="0"/>
+          </a:p>
+          <a:p>
+            <a:endParaRPr lang="fr-FR" dirty="0"/>
+          </a:p>
+          <a:p>
+            <a:endParaRPr lang="fr-FR" dirty="0" smtClean="0"/>
+          </a:p>
+          <a:p>
+            <a:endParaRPr lang="fr-FR" dirty="0"/>
+          </a:p>
+          <a:p>
+            <a:endParaRPr lang="fr-FR" dirty="0" smtClean="0"/>
+          </a:p>
+          <a:p>
+            <a:endParaRPr lang="fr-FR" dirty="0" smtClean="0"/>
+          </a:p>
+          <a:p>
+            <a:r>
+              <a:rPr lang="fr-FR" dirty="0"/>
+              <a:t>Les limites de </a:t>
             </a:r>
             <a:r>
               <a:rPr lang="fr-FR" dirty="0" smtClean="0"/>
-              <a:t>. Mes </a:t>
+              <a:t>celle-ci</a:t>
             </a:r>
             <a:r>
               <a:rPr lang="fr-FR" dirty="0"/>
-              <a:t>tâches :</a:t>
-            </a:r>
-          </a:p>
-        </p:txBody>
-      </p:sp>
-      <p:sp>
-        <p:nvSpPr>
-          <p:cNvPr id="3" name="Content Placeholder 2"/>
-          <p:cNvSpPr>
-            <a:spLocks noGrp="1"/>
-          </p:cNvSpPr>
-          <p:nvPr>
-            <p:ph idx="1"/>
-          </p:nvPr>
-        </p:nvSpPr>
-        <p:spPr/>
-        <p:txBody>
-          <a:bodyPr/>
-          <a:lstStyle/>
-          <a:p>
-            <a:r>
-              <a:rPr lang="fr-FR" dirty="0"/>
-              <a:t>Conception du </a:t>
-            </a:r>
+              <a:t>:</a:t>
+            </a:r>
+            <a:endParaRPr lang="fr-FR" dirty="0" smtClean="0"/>
+          </a:p>
+          <a:p>
+            <a:pPr lvl="1"/>
             <a:r>
               <a:rPr lang="fr-FR" dirty="0" smtClean="0"/>
-              <a:t>site internet</a:t>
+              <a:t>Perte de qualité</a:t>
+            </a:r>
+          </a:p>
+          <a:p>
+            <a:pPr lvl="1"/>
+            <a:r>
+              <a:rPr lang="fr-FR" dirty="0" smtClean="0"/>
+              <a:t>Décodage de l’image possible</a:t>
             </a:r>
             <a:endParaRPr lang="fr-FR" dirty="0"/>
           </a:p>
           <a:p>
-            <a:r>
-              <a:rPr lang="fr-FR" dirty="0"/>
-              <a:t>Un travail en équipe</a:t>
-            </a:r>
-          </a:p>
-          <a:p>
-            <a:r>
-              <a:rPr lang="fr-FR" dirty="0" smtClean="0"/>
-              <a:t>Design </a:t>
-            </a:r>
-            <a:r>
-              <a:rPr lang="fr-FR" dirty="0"/>
-              <a:t>du site et de l’interface graphique</a:t>
-            </a:r>
-          </a:p>
-          <a:p>
-            <a:r>
-              <a:rPr lang="fr-FR" dirty="0" smtClean="0"/>
-              <a:t>Problèmes rencontrés</a:t>
-            </a:r>
-          </a:p>
-          <a:p>
-            <a:pPr marL="0" indent="0">
-              <a:buNone/>
-            </a:pPr>
             <a:endParaRPr lang="fr-FR" dirty="0"/>
           </a:p>
         </p:txBody>
       </p:sp>
+      <p:pic>
+        <p:nvPicPr>
+          <p:cNvPr id="4" name="Image 3"/>
+          <p:cNvPicPr>
+            <a:picLocks noChangeAspect="1"/>
+          </p:cNvPicPr>
+          <p:nvPr/>
+        </p:nvPicPr>
+        <p:blipFill>
+          <a:blip r:embed="rId2"/>
+          <a:stretch>
+            <a:fillRect/>
+          </a:stretch>
+        </p:blipFill>
+        <p:spPr>
+          <a:xfrm>
+            <a:off x="6553430" y="316872"/>
+            <a:ext cx="3881630" cy="1647070"/>
+          </a:xfrm>
+          <a:prstGeom prst="rect">
+            <a:avLst/>
+          </a:prstGeom>
+        </p:spPr>
+      </p:pic>
+      <p:pic>
+        <p:nvPicPr>
+          <p:cNvPr id="6" name="Image 5"/>
+          <p:cNvPicPr>
+            <a:picLocks noChangeAspect="1"/>
+          </p:cNvPicPr>
+          <p:nvPr/>
+        </p:nvPicPr>
+        <p:blipFill>
+          <a:blip r:embed="rId3"/>
+          <a:stretch>
+            <a:fillRect/>
+          </a:stretch>
+        </p:blipFill>
+        <p:spPr>
+          <a:xfrm>
+            <a:off x="6553430" y="2324985"/>
+            <a:ext cx="3881630" cy="1860505"/>
+          </a:xfrm>
+          <a:prstGeom prst="rect">
+            <a:avLst/>
+          </a:prstGeom>
+        </p:spPr>
+      </p:pic>
+      <p:pic>
+        <p:nvPicPr>
+          <p:cNvPr id="7" name="Image 6"/>
+          <p:cNvPicPr>
+            <a:picLocks noChangeAspect="1"/>
+          </p:cNvPicPr>
+          <p:nvPr/>
+        </p:nvPicPr>
+        <p:blipFill rotWithShape="1">
+          <a:blip r:embed="rId4"/>
+          <a:srcRect l="2587" t="6441" r="3501" b="8045"/>
+          <a:stretch/>
+        </p:blipFill>
+        <p:spPr>
+          <a:xfrm>
+            <a:off x="4377352" y="4354717"/>
+            <a:ext cx="2959204" cy="2214938"/>
+          </a:xfrm>
+          <a:prstGeom prst="rect">
+            <a:avLst/>
+          </a:prstGeom>
+        </p:spPr>
+      </p:pic>
     </p:spTree>
     <p:extLst>
       <p:ext uri="{BB962C8B-B14F-4D97-AF65-F5344CB8AC3E}">
-        <p14:creationId xmlns:p14="http://schemas.microsoft.com/office/powerpoint/2010/main" val="963022591"/>
+        <p14:creationId xmlns:p14="http://schemas.microsoft.com/office/powerpoint/2010/main" val="2330220303"/>
       </p:ext>
     </p:extLst>
   </p:cSld>
   <p:clrMapOvr>
     <a:masterClrMapping/>
   </p:clrMapOvr>
+  <p:timing>
+    <p:tnLst>
+      <p:par>
+        <p:cTn id="1" dur="indefinite" restart="never" nodeType="tmRoot"/>
+      </p:par>
+    </p:tnLst>
+  </p:timing>
 </p:sld>
 </file>
 
@@ -6239,21 +6407,224 @@
             <p:ph type="title"/>
           </p:nvPr>
         </p:nvSpPr>
-        <p:spPr>
-          <a:xfrm>
-            <a:off x="298622" y="1145060"/>
-            <a:ext cx="4339281" cy="1012407"/>
-          </a:xfrm>
-        </p:spPr>
-        <p:txBody>
-          <a:bodyPr>
-            <a:normAutofit/>
+        <p:spPr/>
+        <p:txBody>
+          <a:bodyPr/>
+          <a:lstStyle/>
+          <a:p>
+            <a:r>
+              <a:rPr lang="fr-FR" dirty="0"/>
+              <a:t>2</a:t>
+            </a:r>
+            <a:r>
+              <a:rPr lang="fr-FR" dirty="0" smtClean="0"/>
+              <a:t>. Le projet:</a:t>
+            </a:r>
+            <a:endParaRPr lang="fr-FR" dirty="0"/>
+          </a:p>
+        </p:txBody>
+      </p:sp>
+      <p:sp>
+        <p:nvSpPr>
+          <p:cNvPr id="3" name="Content Placeholder 2"/>
+          <p:cNvSpPr>
+            <a:spLocks noGrp="1"/>
+          </p:cNvSpPr>
+          <p:nvPr>
+            <p:ph idx="1"/>
+          </p:nvPr>
+        </p:nvSpPr>
+        <p:spPr>
+          <a:xfrm>
+            <a:off x="875924" y="1722017"/>
+            <a:ext cx="8249969" cy="1850511"/>
+          </a:xfrm>
+        </p:spPr>
+        <p:txBody>
+          <a:bodyPr/>
+          <a:lstStyle/>
+          <a:p>
+            <a:r>
+              <a:rPr lang="fr-FR" dirty="0" smtClean="0"/>
+              <a:t>Un travail en équipe</a:t>
+            </a:r>
+            <a:endParaRPr lang="fr-FR" dirty="0" smtClean="0"/>
+          </a:p>
+          <a:p>
+            <a:r>
+              <a:rPr lang="fr-FR" dirty="0" smtClean="0"/>
+              <a:t>Problèmes </a:t>
+            </a:r>
+            <a:r>
+              <a:rPr lang="fr-FR" dirty="0" smtClean="0"/>
+              <a:t>rencontrés</a:t>
+            </a:r>
+          </a:p>
+          <a:p>
+            <a:pPr marL="0" indent="0">
+              <a:buNone/>
+            </a:pPr>
+            <a:endParaRPr lang="fr-FR" dirty="0"/>
+          </a:p>
+        </p:txBody>
+      </p:sp>
+      <p:sp>
+        <p:nvSpPr>
+          <p:cNvPr id="4" name="ZoneTexte 3"/>
+          <p:cNvSpPr txBox="1"/>
+          <p:nvPr/>
+        </p:nvSpPr>
+        <p:spPr>
+          <a:xfrm>
+            <a:off x="3675708" y="3228678"/>
+            <a:ext cx="6944008" cy="2062103"/>
+          </a:xfrm>
+          <a:prstGeom prst="rect">
+            <a:avLst/>
+          </a:prstGeom>
+          <a:noFill/>
+        </p:spPr>
+        <p:txBody>
+          <a:bodyPr wrap="square" rtlCol="0">
+            <a:spAutoFit/>
           </a:bodyPr>
           <a:lstStyle/>
           <a:p>
             <a:r>
+              <a:rPr lang="fr-FR" sz="2000" b="1" dirty="0" smtClean="0"/>
+              <a:t>Liste de taches:</a:t>
+            </a:r>
+          </a:p>
+          <a:p>
+            <a:endParaRPr lang="fr-FR" dirty="0" smtClean="0"/>
+          </a:p>
+          <a:p>
+            <a:pPr marL="285750" indent="-285750">
+              <a:buFont typeface="Arial" panose="020B0604020202020204" pitchFamily="34" charset="0"/>
+              <a:buChar char="•"/>
+            </a:pPr>
+            <a:r>
               <a:rPr lang="fr-FR" dirty="0" smtClean="0"/>
-              <a:t>Fonction horloge</a:t>
+              <a:t>Interface utilisateur du logiciel en python (</a:t>
+            </a:r>
+            <a:r>
+              <a:rPr lang="fr-FR" dirty="0" err="1" smtClean="0"/>
+              <a:t>Tkinter</a:t>
+            </a:r>
+            <a:r>
+              <a:rPr lang="fr-FR" dirty="0" smtClean="0"/>
+              <a:t>) </a:t>
+            </a:r>
+            <a:r>
+              <a:rPr lang="fr-FR" dirty="0"/>
+              <a:t>(Romain et moi)</a:t>
+            </a:r>
+          </a:p>
+          <a:p>
+            <a:pPr marL="285750" indent="-285750">
+              <a:buFont typeface="Arial" panose="020B0604020202020204" pitchFamily="34" charset="0"/>
+              <a:buChar char="•"/>
+            </a:pPr>
+            <a:r>
+              <a:rPr lang="fr-FR" dirty="0" smtClean="0"/>
+              <a:t>Conception </a:t>
+            </a:r>
+            <a:r>
+              <a:rPr lang="fr-FR" dirty="0" smtClean="0"/>
+              <a:t>du </a:t>
+            </a:r>
+            <a:r>
+              <a:rPr lang="fr-FR" dirty="0" smtClean="0"/>
+              <a:t>logiciel (Romain)</a:t>
+            </a:r>
+            <a:endParaRPr lang="fr-FR" dirty="0" smtClean="0"/>
+          </a:p>
+          <a:p>
+            <a:pPr marL="285750" indent="-285750">
+              <a:buFont typeface="Arial" panose="020B0604020202020204" pitchFamily="34" charset="0"/>
+              <a:buChar char="•"/>
+            </a:pPr>
+            <a:r>
+              <a:rPr lang="fr-FR" dirty="0" smtClean="0"/>
+              <a:t>Conception </a:t>
+            </a:r>
+            <a:r>
+              <a:rPr lang="fr-FR" dirty="0"/>
+              <a:t>du </a:t>
+            </a:r>
+            <a:r>
+              <a:rPr lang="fr-FR" dirty="0" smtClean="0"/>
+              <a:t>site (moi)</a:t>
+            </a:r>
+          </a:p>
+          <a:p>
+            <a:endParaRPr lang="fr-FR" dirty="0"/>
+          </a:p>
+          <a:p>
+            <a:endParaRPr lang="fr-FR" dirty="0"/>
+          </a:p>
+        </p:txBody>
+      </p:sp>
+    </p:spTree>
+    <p:extLst>
+      <p:ext uri="{BB962C8B-B14F-4D97-AF65-F5344CB8AC3E}">
+        <p14:creationId xmlns:p14="http://schemas.microsoft.com/office/powerpoint/2010/main" val="963022591"/>
+      </p:ext>
+    </p:extLst>
+  </p:cSld>
+  <p:clrMapOvr>
+    <a:masterClrMapping/>
+  </p:clrMapOvr>
+  <p:timing>
+    <p:tnLst>
+      <p:par>
+        <p:cTn id="1" dur="indefinite" restart="never" nodeType="tmRoot"/>
+      </p:par>
+    </p:tnLst>
+  </p:timing>
+</p:sld>
+</file>
+
+<file path=ppt/slides/slide5.xml><?xml version="1.0" encoding="utf-8"?>
+<p:sld xmlns:a="http://schemas.openxmlformats.org/drawingml/2006/main" xmlns:r="http://schemas.openxmlformats.org/officeDocument/2006/relationships" xmlns:p="http://schemas.openxmlformats.org/presentationml/2006/main">
+  <p:cSld>
+    <p:spTree>
+      <p:nvGrpSpPr>
+        <p:cNvPr id="1" name=""/>
+        <p:cNvGrpSpPr/>
+        <p:nvPr/>
+      </p:nvGrpSpPr>
+      <p:grpSpPr>
+        <a:xfrm>
+          <a:off x="0" y="0"/>
+          <a:ext cx="0" cy="0"/>
+          <a:chOff x="0" y="0"/>
+          <a:chExt cx="0" cy="0"/>
+        </a:xfrm>
+      </p:grpSpPr>
+      <p:sp>
+        <p:nvSpPr>
+          <p:cNvPr id="3" name="Espace réservé du contenu 2"/>
+          <p:cNvSpPr>
+            <a:spLocks noGrp="1"/>
+          </p:cNvSpPr>
+          <p:nvPr>
+            <p:ph idx="1"/>
+          </p:nvPr>
+        </p:nvSpPr>
+        <p:spPr>
+          <a:xfrm>
+            <a:off x="597530" y="301115"/>
+            <a:ext cx="2625504" cy="1228922"/>
+          </a:xfrm>
+        </p:spPr>
+        <p:txBody>
+          <a:bodyPr/>
+          <a:lstStyle/>
+          <a:p>
+            <a:r>
+              <a:rPr lang="fr-FR" dirty="0" smtClean="0"/>
+              <a:t>Présentation du site</a:t>
             </a:r>
             <a:endParaRPr lang="fr-FR" dirty="0"/>
           </a:p>
@@ -6275,14 +6646,420 @@
         </p:blipFill>
         <p:spPr>
           <a:xfrm>
-            <a:off x="4839174" y="623442"/>
-            <a:ext cx="7126842" cy="3749365"/>
+            <a:off x="391065" y="1530037"/>
+            <a:ext cx="5663938" cy="3069793"/>
           </a:xfrm>
           <a:prstGeom prst="rect">
             <a:avLst/>
           </a:prstGeom>
         </p:spPr>
       </p:pic>
+      <p:pic>
+        <p:nvPicPr>
+          <p:cNvPr id="4" name="Image 3"/>
+          <p:cNvPicPr>
+            <a:picLocks noChangeAspect="1"/>
+          </p:cNvPicPr>
+          <p:nvPr/>
+        </p:nvPicPr>
+        <p:blipFill>
+          <a:blip r:embed="rId3"/>
+          <a:stretch>
+            <a:fillRect/>
+          </a:stretch>
+        </p:blipFill>
+        <p:spPr>
+          <a:xfrm>
+            <a:off x="3424050" y="3639655"/>
+            <a:ext cx="4968512" cy="2698798"/>
+          </a:xfrm>
+          <a:prstGeom prst="rect">
+            <a:avLst/>
+          </a:prstGeom>
+        </p:spPr>
+      </p:pic>
+      <p:pic>
+        <p:nvPicPr>
+          <p:cNvPr id="6" name="Image 5"/>
+          <p:cNvPicPr>
+            <a:picLocks noChangeAspect="1"/>
+          </p:cNvPicPr>
+          <p:nvPr/>
+        </p:nvPicPr>
+        <p:blipFill>
+          <a:blip r:embed="rId4"/>
+          <a:stretch>
+            <a:fillRect/>
+          </a:stretch>
+        </p:blipFill>
+        <p:spPr>
+          <a:xfrm>
+            <a:off x="6714526" y="3816336"/>
+            <a:ext cx="5035222" cy="2684052"/>
+          </a:xfrm>
+          <a:prstGeom prst="rect">
+            <a:avLst/>
+          </a:prstGeom>
+        </p:spPr>
+      </p:pic>
+      <p:cxnSp>
+        <p:nvCxnSpPr>
+          <p:cNvPr id="10" name="Connecteur droit avec flèche 9"/>
+          <p:cNvCxnSpPr/>
+          <p:nvPr/>
+        </p:nvCxnSpPr>
+        <p:spPr>
+          <a:xfrm>
+            <a:off x="1819747" y="1629624"/>
+            <a:ext cx="2163778" cy="2679826"/>
+          </a:xfrm>
+          <a:prstGeom prst="straightConnector1">
+            <a:avLst/>
+          </a:prstGeom>
+          <a:ln w="53975">
+            <a:solidFill>
+              <a:srgbClr val="FF0000"/>
+            </a:solidFill>
+            <a:tailEnd type="triangle"/>
+          </a:ln>
+        </p:spPr>
+        <p:style>
+          <a:lnRef idx="1">
+            <a:schemeClr val="accent1"/>
+          </a:lnRef>
+          <a:fillRef idx="0">
+            <a:schemeClr val="accent1"/>
+          </a:fillRef>
+          <a:effectRef idx="0">
+            <a:schemeClr val="accent1"/>
+          </a:effectRef>
+          <a:fontRef idx="minor">
+            <a:schemeClr val="tx1"/>
+          </a:fontRef>
+        </p:style>
+      </p:cxnSp>
+      <p:cxnSp>
+        <p:nvCxnSpPr>
+          <p:cNvPr id="11" name="Connecteur droit avec flèche 10"/>
+          <p:cNvCxnSpPr/>
+          <p:nvPr/>
+        </p:nvCxnSpPr>
+        <p:spPr>
+          <a:xfrm>
+            <a:off x="2149509" y="1629624"/>
+            <a:ext cx="5035062" cy="2572262"/>
+          </a:xfrm>
+          <a:prstGeom prst="straightConnector1">
+            <a:avLst/>
+          </a:prstGeom>
+          <a:ln w="53975">
+            <a:solidFill>
+              <a:srgbClr val="FF0000"/>
+            </a:solidFill>
+            <a:tailEnd type="triangle"/>
+          </a:ln>
+        </p:spPr>
+        <p:style>
+          <a:lnRef idx="1">
+            <a:schemeClr val="accent1"/>
+          </a:lnRef>
+          <a:fillRef idx="0">
+            <a:schemeClr val="accent1"/>
+          </a:fillRef>
+          <a:effectRef idx="0">
+            <a:schemeClr val="accent1"/>
+          </a:effectRef>
+          <a:fontRef idx="minor">
+            <a:schemeClr val="tx1"/>
+          </a:fontRef>
+        </p:style>
+      </p:cxnSp>
+      <p:sp>
+        <p:nvSpPr>
+          <p:cNvPr id="14" name="ZoneTexte 13"/>
+          <p:cNvSpPr txBox="1"/>
+          <p:nvPr/>
+        </p:nvSpPr>
+        <p:spPr>
+          <a:xfrm>
+            <a:off x="4346883" y="709003"/>
+            <a:ext cx="4735286" cy="646331"/>
+          </a:xfrm>
+          <a:prstGeom prst="rect">
+            <a:avLst/>
+          </a:prstGeom>
+          <a:noFill/>
+        </p:spPr>
+        <p:txBody>
+          <a:bodyPr wrap="square" rtlCol="0">
+            <a:spAutoFit/>
+          </a:bodyPr>
+          <a:lstStyle/>
+          <a:p>
+            <a:r>
+              <a:rPr lang="fr-FR" dirty="0">
+                <a:hlinkClick r:id="rId5" action="ppaction://hlinkfile"/>
+              </a:rPr>
+              <a:t>file:///H:/</a:t>
+            </a:r>
+            <a:r>
+              <a:rPr lang="fr-FR" dirty="0" smtClean="0">
+                <a:hlinkClick r:id="rId5" action="ppaction://hlinkfile"/>
+              </a:rPr>
+              <a:t>home/Desktop/Sonagets/contact.html</a:t>
+            </a:r>
+            <a:endParaRPr lang="fr-FR" dirty="0" smtClean="0"/>
+          </a:p>
+          <a:p>
+            <a:endParaRPr lang="fr-FR" dirty="0"/>
+          </a:p>
+        </p:txBody>
+      </p:sp>
+      <p:sp>
+        <p:nvSpPr>
+          <p:cNvPr id="15" name="ZoneTexte 14"/>
+          <p:cNvSpPr txBox="1"/>
+          <p:nvPr/>
+        </p:nvSpPr>
+        <p:spPr>
+          <a:xfrm>
+            <a:off x="6792686" y="1807030"/>
+            <a:ext cx="4430485" cy="646331"/>
+          </a:xfrm>
+          <a:prstGeom prst="rect">
+            <a:avLst/>
+          </a:prstGeom>
+          <a:noFill/>
+        </p:spPr>
+        <p:txBody>
+          <a:bodyPr wrap="square" rtlCol="0">
+            <a:spAutoFit/>
+          </a:bodyPr>
+          <a:lstStyle/>
+          <a:p>
+            <a:r>
+              <a:rPr lang="fr-FR" dirty="0" smtClean="0"/>
+              <a:t>Téléchargement impossible mais lancement de </a:t>
+            </a:r>
+            <a:r>
+              <a:rPr lang="fr-FR" dirty="0" err="1" smtClean="0"/>
+              <a:t>Sonagets</a:t>
+            </a:r>
+            <a:r>
+              <a:rPr lang="fr-FR" dirty="0" smtClean="0"/>
+              <a:t> opérationnel</a:t>
+            </a:r>
+            <a:endParaRPr lang="fr-FR" dirty="0"/>
+          </a:p>
+        </p:txBody>
+      </p:sp>
+    </p:spTree>
+    <p:extLst>
+      <p:ext uri="{BB962C8B-B14F-4D97-AF65-F5344CB8AC3E}">
+        <p14:creationId xmlns:p14="http://schemas.microsoft.com/office/powerpoint/2010/main" val="4073868601"/>
+      </p:ext>
+    </p:extLst>
+  </p:cSld>
+  <p:clrMapOvr>
+    <a:masterClrMapping/>
+  </p:clrMapOvr>
+  <p:timing>
+    <p:tnLst>
+      <p:par>
+        <p:cTn id="1" dur="indefinite" restart="never" nodeType="tmRoot"/>
+      </p:par>
+    </p:tnLst>
+  </p:timing>
+</p:sld>
+</file>
+
+<file path=ppt/slides/slide6.xml><?xml version="1.0" encoding="utf-8"?>
+<p:sld xmlns:a="http://schemas.openxmlformats.org/drawingml/2006/main" xmlns:r="http://schemas.openxmlformats.org/officeDocument/2006/relationships" xmlns:p="http://schemas.openxmlformats.org/presentationml/2006/main">
+  <p:cSld>
+    <p:spTree>
+      <p:nvGrpSpPr>
+        <p:cNvPr id="1" name=""/>
+        <p:cNvGrpSpPr/>
+        <p:nvPr/>
+      </p:nvGrpSpPr>
+      <p:grpSpPr>
+        <a:xfrm>
+          <a:off x="0" y="0"/>
+          <a:ext cx="0" cy="0"/>
+          <a:chOff x="0" y="0"/>
+          <a:chExt cx="0" cy="0"/>
+        </a:xfrm>
+      </p:grpSpPr>
+      <p:pic>
+        <p:nvPicPr>
+          <p:cNvPr id="5" name="Image 4"/>
+          <p:cNvPicPr>
+            <a:picLocks noChangeAspect="1"/>
+          </p:cNvPicPr>
+          <p:nvPr/>
+        </p:nvPicPr>
+        <p:blipFill>
+          <a:blip r:embed="rId2"/>
+          <a:stretch>
+            <a:fillRect/>
+          </a:stretch>
+        </p:blipFill>
+        <p:spPr>
+          <a:xfrm>
+            <a:off x="674544" y="3270945"/>
+            <a:ext cx="6006914" cy="3160181"/>
+          </a:xfrm>
+          <a:prstGeom prst="rect">
+            <a:avLst/>
+          </a:prstGeom>
+        </p:spPr>
+      </p:pic>
+      <p:sp>
+        <p:nvSpPr>
+          <p:cNvPr id="7" name="ZoneTexte 6"/>
+          <p:cNvSpPr txBox="1"/>
+          <p:nvPr/>
+        </p:nvSpPr>
+        <p:spPr>
+          <a:xfrm>
+            <a:off x="422575" y="1592287"/>
+            <a:ext cx="4298868" cy="461665"/>
+          </a:xfrm>
+          <a:prstGeom prst="rect">
+            <a:avLst/>
+          </a:prstGeom>
+          <a:noFill/>
+        </p:spPr>
+        <p:txBody>
+          <a:bodyPr wrap="square" rtlCol="0">
+            <a:spAutoFit/>
+          </a:bodyPr>
+          <a:lstStyle/>
+          <a:p>
+            <a:r>
+              <a:rPr lang="fr-FR" sz="2400" dirty="0" smtClean="0"/>
+              <a:t>Fonction horloge du </a:t>
+            </a:r>
+            <a:r>
+              <a:rPr lang="fr-FR" sz="2400" dirty="0" smtClean="0"/>
+              <a:t>site:</a:t>
+            </a:r>
+            <a:endParaRPr lang="fr-FR" sz="2400" dirty="0"/>
+          </a:p>
+        </p:txBody>
+      </p:sp>
+      <p:grpSp>
+        <p:nvGrpSpPr>
+          <p:cNvPr id="20" name="Groupe 19"/>
+          <p:cNvGrpSpPr/>
+          <p:nvPr/>
+        </p:nvGrpSpPr>
+        <p:grpSpPr>
+          <a:xfrm>
+            <a:off x="5441133" y="1018181"/>
+            <a:ext cx="6458220" cy="2071542"/>
+            <a:chOff x="2136617" y="1385180"/>
+            <a:chExt cx="7031529" cy="2580238"/>
+          </a:xfrm>
+        </p:grpSpPr>
+        <p:pic>
+          <p:nvPicPr>
+            <p:cNvPr id="17" name="Image 16"/>
+            <p:cNvPicPr>
+              <a:picLocks noChangeAspect="1"/>
+            </p:cNvPicPr>
+            <p:nvPr/>
+          </p:nvPicPr>
+          <p:blipFill rotWithShape="1">
+            <a:blip r:embed="rId3"/>
+            <a:srcRect l="22299" t="421" r="24374" b="63695"/>
+            <a:stretch/>
+          </p:blipFill>
+          <p:spPr>
+            <a:xfrm>
+              <a:off x="2136617" y="1385180"/>
+              <a:ext cx="7031529" cy="2580238"/>
+            </a:xfrm>
+            <a:prstGeom prst="rect">
+              <a:avLst/>
+            </a:prstGeom>
+          </p:spPr>
+        </p:pic>
+        <p:sp>
+          <p:nvSpPr>
+            <p:cNvPr id="19" name="Ellipse 18"/>
+            <p:cNvSpPr/>
+            <p:nvPr/>
+          </p:nvSpPr>
+          <p:spPr>
+            <a:xfrm>
+              <a:off x="5305331" y="1952723"/>
+              <a:ext cx="950614" cy="461727"/>
+            </a:xfrm>
+            <a:prstGeom prst="ellipse">
+              <a:avLst/>
+            </a:prstGeom>
+            <a:noFill/>
+            <a:ln>
+              <a:solidFill>
+                <a:srgbClr val="FF0000"/>
+              </a:solidFill>
+            </a:ln>
+          </p:spPr>
+          <p:style>
+            <a:lnRef idx="2">
+              <a:schemeClr val="accent1">
+                <a:shade val="50000"/>
+              </a:schemeClr>
+            </a:lnRef>
+            <a:fillRef idx="1">
+              <a:schemeClr val="accent1"/>
+            </a:fillRef>
+            <a:effectRef idx="0">
+              <a:schemeClr val="accent1"/>
+            </a:effectRef>
+            <a:fontRef idx="minor">
+              <a:schemeClr val="lt1"/>
+            </a:fontRef>
+          </p:style>
+          <p:txBody>
+            <a:bodyPr rtlCol="0" anchor="ctr"/>
+            <a:lstStyle/>
+            <a:p>
+              <a:pPr algn="ctr"/>
+              <a:endParaRPr lang="fr-FR"/>
+            </a:p>
+          </p:txBody>
+        </p:sp>
+      </p:grpSp>
+      <p:sp>
+        <p:nvSpPr>
+          <p:cNvPr id="21" name="Title 1"/>
+          <p:cNvSpPr>
+            <a:spLocks noGrp="1"/>
+          </p:cNvSpPr>
+          <p:nvPr>
+            <p:ph type="title"/>
+          </p:nvPr>
+        </p:nvSpPr>
+        <p:spPr>
+          <a:xfrm>
+            <a:off x="186128" y="235064"/>
+            <a:ext cx="5601730" cy="1256962"/>
+          </a:xfrm>
+        </p:spPr>
+        <p:txBody>
+          <a:bodyPr/>
+          <a:lstStyle/>
+          <a:p>
+            <a:r>
+              <a:rPr lang="fr-FR" dirty="0" smtClean="0"/>
+              <a:t>Problèmes rencontrés:</a:t>
+            </a:r>
+            <a:endParaRPr lang="fr-FR" dirty="0"/>
+          </a:p>
+        </p:txBody>
+      </p:sp>
     </p:spTree>
     <p:extLst>
       <p:ext uri="{BB962C8B-B14F-4D97-AF65-F5344CB8AC3E}">
@@ -6315,238 +7092,6 @@
 </p:sld>
 </file>
 
-<file path=ppt/slides/slide5.xml><?xml version="1.0" encoding="utf-8"?>
-<p:sld xmlns:a="http://schemas.openxmlformats.org/drawingml/2006/main" xmlns:r="http://schemas.openxmlformats.org/officeDocument/2006/relationships" xmlns:p="http://schemas.openxmlformats.org/presentationml/2006/main">
-  <p:cSld>
-    <p:spTree>
-      <p:nvGrpSpPr>
-        <p:cNvPr id="1" name=""/>
-        <p:cNvGrpSpPr/>
-        <p:nvPr/>
-      </p:nvGrpSpPr>
-      <p:grpSpPr>
-        <a:xfrm>
-          <a:off x="0" y="0"/>
-          <a:ext cx="0" cy="0"/>
-          <a:chOff x="0" y="0"/>
-          <a:chExt cx="0" cy="0"/>
-        </a:xfrm>
-      </p:grpSpPr>
-      <p:sp>
-        <p:nvSpPr>
-          <p:cNvPr id="2" name="Title 1"/>
-          <p:cNvSpPr>
-            <a:spLocks noGrp="1"/>
-          </p:cNvSpPr>
-          <p:nvPr>
-            <p:ph type="title"/>
-          </p:nvPr>
-        </p:nvSpPr>
-        <p:spPr>
-          <a:xfrm>
-            <a:off x="131807" y="222421"/>
-            <a:ext cx="5601730" cy="1256962"/>
-          </a:xfrm>
-        </p:spPr>
-        <p:txBody>
-          <a:bodyPr/>
-          <a:lstStyle/>
-          <a:p>
-            <a:r>
-              <a:rPr lang="fr-FR" dirty="0" smtClean="0"/>
-              <a:t>Problèmes rencontrés:</a:t>
-            </a:r>
-            <a:endParaRPr lang="fr-FR" dirty="0"/>
-          </a:p>
-        </p:txBody>
-      </p:sp>
-      <p:pic>
-        <p:nvPicPr>
-          <p:cNvPr id="5" name="Image 4"/>
-          <p:cNvPicPr>
-            <a:picLocks noChangeAspect="1"/>
-          </p:cNvPicPr>
-          <p:nvPr/>
-        </p:nvPicPr>
-        <p:blipFill rotWithShape="1">
-          <a:blip r:embed="rId2"/>
-          <a:srcRect l="25068" t="33714" r="29589" b="4402"/>
-          <a:stretch/>
-        </p:blipFill>
-        <p:spPr>
-          <a:xfrm>
-            <a:off x="5387545" y="1067492"/>
-            <a:ext cx="6647935" cy="5103569"/>
-          </a:xfrm>
-          <a:prstGeom prst="rect">
-            <a:avLst/>
-          </a:prstGeom>
-        </p:spPr>
-      </p:pic>
-      <p:sp>
-        <p:nvSpPr>
-          <p:cNvPr id="6" name="ZoneTexte 5"/>
-          <p:cNvSpPr txBox="1"/>
-          <p:nvPr/>
-        </p:nvSpPr>
-        <p:spPr>
-          <a:xfrm>
-            <a:off x="535459" y="2611394"/>
-            <a:ext cx="2619633" cy="369332"/>
-          </a:xfrm>
-          <a:prstGeom prst="rect">
-            <a:avLst/>
-          </a:prstGeom>
-          <a:noFill/>
-        </p:spPr>
-        <p:txBody>
-          <a:bodyPr wrap="square" rtlCol="0">
-            <a:spAutoFit/>
-          </a:bodyPr>
-          <a:lstStyle/>
-          <a:p>
-            <a:pPr marL="285750" indent="-285750">
-              <a:buFont typeface="Arial" panose="020B0604020202020204" pitchFamily="34" charset="0"/>
-              <a:buChar char="•"/>
-            </a:pPr>
-            <a:r>
-              <a:rPr lang="fr-FR" dirty="0" smtClean="0"/>
-              <a:t>Lignes et colonnes</a:t>
-            </a:r>
-            <a:endParaRPr lang="fr-FR" dirty="0"/>
-          </a:p>
-        </p:txBody>
-      </p:sp>
-    </p:spTree>
-    <p:extLst>
-      <p:ext uri="{BB962C8B-B14F-4D97-AF65-F5344CB8AC3E}">
-        <p14:creationId xmlns:p14="http://schemas.microsoft.com/office/powerpoint/2010/main" val="1103349261"/>
-      </p:ext>
-    </p:extLst>
-  </p:cSld>
-  <p:clrMapOvr>
-    <a:masterClrMapping/>
-  </p:clrMapOvr>
-</p:sld>
-</file>
-
-<file path=ppt/slides/slide6.xml><?xml version="1.0" encoding="utf-8"?>
-<p:sld xmlns:a="http://schemas.openxmlformats.org/drawingml/2006/main" xmlns:r="http://schemas.openxmlformats.org/officeDocument/2006/relationships" xmlns:p="http://schemas.openxmlformats.org/presentationml/2006/main">
-  <p:cSld>
-    <p:spTree>
-      <p:nvGrpSpPr>
-        <p:cNvPr id="1" name=""/>
-        <p:cNvGrpSpPr/>
-        <p:nvPr/>
-      </p:nvGrpSpPr>
-      <p:grpSpPr>
-        <a:xfrm>
-          <a:off x="0" y="0"/>
-          <a:ext cx="0" cy="0"/>
-          <a:chOff x="0" y="0"/>
-          <a:chExt cx="0" cy="0"/>
-        </a:xfrm>
-      </p:grpSpPr>
-      <p:sp>
-        <p:nvSpPr>
-          <p:cNvPr id="2" name="Titre 1"/>
-          <p:cNvSpPr>
-            <a:spLocks noGrp="1"/>
-          </p:cNvSpPr>
-          <p:nvPr>
-            <p:ph type="title"/>
-          </p:nvPr>
-        </p:nvSpPr>
-        <p:spPr>
-          <a:xfrm>
-            <a:off x="562235" y="617839"/>
-            <a:ext cx="6785918" cy="1095632"/>
-          </a:xfrm>
-        </p:spPr>
-        <p:txBody>
-          <a:bodyPr>
-            <a:normAutofit fontScale="90000"/>
-          </a:bodyPr>
-          <a:lstStyle/>
-          <a:p>
-            <a:r>
-              <a:rPr lang="fr-FR" dirty="0" smtClean="0"/>
-              <a:t>3. Perceptives </a:t>
-            </a:r>
-            <a:r>
-              <a:rPr lang="fr-FR" dirty="0"/>
-              <a:t>d’améliorations</a:t>
-            </a:r>
-            <a:br>
-              <a:rPr lang="fr-FR" dirty="0"/>
-            </a:br>
-            <a:endParaRPr lang="fr-FR" dirty="0"/>
-          </a:p>
-        </p:txBody>
-      </p:sp>
-      <p:sp>
-        <p:nvSpPr>
-          <p:cNvPr id="3" name="Espace réservé du contenu 2"/>
-          <p:cNvSpPr>
-            <a:spLocks noGrp="1"/>
-          </p:cNvSpPr>
-          <p:nvPr>
-            <p:ph idx="1"/>
-          </p:nvPr>
-        </p:nvSpPr>
-        <p:spPr>
-          <a:xfrm>
-            <a:off x="1048266" y="2199732"/>
-            <a:ext cx="5574956" cy="2635879"/>
-          </a:xfrm>
-        </p:spPr>
-        <p:txBody>
-          <a:bodyPr/>
-          <a:lstStyle/>
-          <a:p>
-            <a:r>
-              <a:rPr lang="fr-FR" dirty="0" smtClean="0"/>
-              <a:t>Inscriptions/connexion</a:t>
-            </a:r>
-          </a:p>
-          <a:p>
-            <a:r>
-              <a:rPr lang="fr-FR" dirty="0" smtClean="0"/>
-              <a:t>Téléchargement du logiciel</a:t>
-            </a:r>
-          </a:p>
-          <a:p>
-            <a:r>
-              <a:rPr lang="fr-FR" dirty="0" smtClean="0"/>
-              <a:t>Espace membre</a:t>
-            </a:r>
-          </a:p>
-          <a:p>
-            <a:r>
-              <a:rPr lang="fr-FR" dirty="0" smtClean="0"/>
-              <a:t>Amélioration graphique de l’accueil du logiciel </a:t>
-            </a:r>
-            <a:r>
-              <a:rPr lang="fr-FR" dirty="0" err="1" smtClean="0"/>
-              <a:t>TKinter</a:t>
-            </a:r>
-            <a:endParaRPr lang="fr-FR" dirty="0"/>
-          </a:p>
-        </p:txBody>
-      </p:sp>
-    </p:spTree>
-    <p:extLst>
-      <p:ext uri="{BB962C8B-B14F-4D97-AF65-F5344CB8AC3E}">
-        <p14:creationId xmlns:p14="http://schemas.microsoft.com/office/powerpoint/2010/main" val="222403915"/>
-      </p:ext>
-    </p:extLst>
-  </p:cSld>
-  <p:clrMapOvr>
-    <a:masterClrMapping/>
-  </p:clrMapOvr>
-</p:sld>
-</file>
-
 <file path=ppt/slides/slide7.xml><?xml version="1.0" encoding="utf-8"?>
 <p:sld xmlns:a="http://schemas.openxmlformats.org/drawingml/2006/main" xmlns:r="http://schemas.openxmlformats.org/officeDocument/2006/relationships" xmlns:p="http://schemas.openxmlformats.org/presentationml/2006/main">
   <p:cSld>
@@ -6574,6 +7119,315 @@
             <p:ph type="title"/>
           </p:nvPr>
         </p:nvSpPr>
+        <p:spPr>
+          <a:xfrm>
+            <a:off x="131807" y="222421"/>
+            <a:ext cx="5601730" cy="1256962"/>
+          </a:xfrm>
+        </p:spPr>
+        <p:txBody>
+          <a:bodyPr/>
+          <a:lstStyle/>
+          <a:p>
+            <a:r>
+              <a:rPr lang="fr-FR" dirty="0" smtClean="0"/>
+              <a:t>Problèmes rencontrés:</a:t>
+            </a:r>
+            <a:endParaRPr lang="fr-FR" dirty="0"/>
+          </a:p>
+        </p:txBody>
+      </p:sp>
+      <p:pic>
+        <p:nvPicPr>
+          <p:cNvPr id="5" name="Image 4"/>
+          <p:cNvPicPr>
+            <a:picLocks noChangeAspect="1"/>
+          </p:cNvPicPr>
+          <p:nvPr/>
+        </p:nvPicPr>
+        <p:blipFill rotWithShape="1">
+          <a:blip r:embed="rId2"/>
+          <a:srcRect l="25068" t="33714" r="29589" b="4402"/>
+          <a:stretch/>
+        </p:blipFill>
+        <p:spPr>
+          <a:xfrm>
+            <a:off x="6546389" y="478894"/>
+            <a:ext cx="4965955" cy="3812326"/>
+          </a:xfrm>
+          <a:prstGeom prst="rect">
+            <a:avLst/>
+          </a:prstGeom>
+        </p:spPr>
+      </p:pic>
+      <p:sp>
+        <p:nvSpPr>
+          <p:cNvPr id="6" name="ZoneTexte 5"/>
+          <p:cNvSpPr txBox="1"/>
+          <p:nvPr/>
+        </p:nvSpPr>
+        <p:spPr>
+          <a:xfrm>
+            <a:off x="317319" y="1606460"/>
+            <a:ext cx="5187188" cy="1231106"/>
+          </a:xfrm>
+          <a:prstGeom prst="rect">
+            <a:avLst/>
+          </a:prstGeom>
+          <a:noFill/>
+        </p:spPr>
+        <p:txBody>
+          <a:bodyPr wrap="square" rtlCol="0">
+            <a:spAutoFit/>
+          </a:bodyPr>
+          <a:lstStyle/>
+          <a:p>
+            <a:pPr marL="285750" indent="-285750">
+              <a:buFont typeface="Arial" panose="020B0604020202020204" pitchFamily="34" charset="0"/>
+              <a:buChar char="•"/>
+            </a:pPr>
+            <a:r>
+              <a:rPr lang="fr-FR" dirty="0" smtClean="0"/>
+              <a:t>Adaptation aux différentes tailles d’écrans</a:t>
+            </a:r>
+          </a:p>
+          <a:p>
+            <a:pPr marL="285750" indent="-285750">
+              <a:buFont typeface="Arial" panose="020B0604020202020204" pitchFamily="34" charset="0"/>
+              <a:buChar char="•"/>
+            </a:pPr>
+            <a:endParaRPr lang="fr-FR" dirty="0"/>
+          </a:p>
+          <a:p>
+            <a:r>
+              <a:rPr lang="fr-FR" sz="2000" dirty="0" smtClean="0"/>
+              <a:t>==&gt;</a:t>
+            </a:r>
+            <a:r>
+              <a:rPr lang="fr-FR" dirty="0" smtClean="0"/>
+              <a:t> Agencement </a:t>
+            </a:r>
+            <a:r>
+              <a:rPr lang="fr-FR" dirty="0"/>
+              <a:t>des lignes et colonnes du site</a:t>
+            </a:r>
+          </a:p>
+          <a:p>
+            <a:pPr marL="285750" indent="-285750">
+              <a:buFont typeface="Arial" panose="020B0604020202020204" pitchFamily="34" charset="0"/>
+              <a:buChar char="•"/>
+            </a:pPr>
+            <a:endParaRPr lang="fr-FR" dirty="0"/>
+          </a:p>
+        </p:txBody>
+      </p:sp>
+      <p:pic>
+        <p:nvPicPr>
+          <p:cNvPr id="3" name="Image 2"/>
+          <p:cNvPicPr>
+            <a:picLocks noChangeAspect="1"/>
+          </p:cNvPicPr>
+          <p:nvPr/>
+        </p:nvPicPr>
+        <p:blipFill>
+          <a:blip r:embed="rId3"/>
+          <a:stretch>
+            <a:fillRect/>
+          </a:stretch>
+        </p:blipFill>
+        <p:spPr>
+          <a:xfrm>
+            <a:off x="317319" y="3087232"/>
+            <a:ext cx="5530692" cy="3010752"/>
+          </a:xfrm>
+          <a:prstGeom prst="rect">
+            <a:avLst/>
+          </a:prstGeom>
+        </p:spPr>
+      </p:pic>
+    </p:spTree>
+    <p:extLst>
+      <p:ext uri="{BB962C8B-B14F-4D97-AF65-F5344CB8AC3E}">
+        <p14:creationId xmlns:p14="http://schemas.microsoft.com/office/powerpoint/2010/main" val="1103349261"/>
+      </p:ext>
+    </p:extLst>
+  </p:cSld>
+  <p:clrMapOvr>
+    <a:masterClrMapping/>
+  </p:clrMapOvr>
+  <p:timing>
+    <p:tnLst>
+      <p:par>
+        <p:cTn id="1" dur="indefinite" restart="never" nodeType="tmRoot"/>
+      </p:par>
+    </p:tnLst>
+  </p:timing>
+</p:sld>
+</file>
+
+<file path=ppt/slides/slide8.xml><?xml version="1.0" encoding="utf-8"?>
+<p:sld xmlns:a="http://schemas.openxmlformats.org/drawingml/2006/main" xmlns:r="http://schemas.openxmlformats.org/officeDocument/2006/relationships" xmlns:p="http://schemas.openxmlformats.org/presentationml/2006/main">
+  <p:cSld>
+    <p:spTree>
+      <p:nvGrpSpPr>
+        <p:cNvPr id="1" name=""/>
+        <p:cNvGrpSpPr/>
+        <p:nvPr/>
+      </p:nvGrpSpPr>
+      <p:grpSpPr>
+        <a:xfrm>
+          <a:off x="0" y="0"/>
+          <a:ext cx="0" cy="0"/>
+          <a:chOff x="0" y="0"/>
+          <a:chExt cx="0" cy="0"/>
+        </a:xfrm>
+      </p:grpSpPr>
+      <p:sp>
+        <p:nvSpPr>
+          <p:cNvPr id="2" name="Titre 1"/>
+          <p:cNvSpPr>
+            <a:spLocks noGrp="1"/>
+          </p:cNvSpPr>
+          <p:nvPr>
+            <p:ph type="title"/>
+          </p:nvPr>
+        </p:nvSpPr>
+        <p:spPr>
+          <a:xfrm>
+            <a:off x="562234" y="617839"/>
+            <a:ext cx="7972165" cy="851732"/>
+          </a:xfrm>
+        </p:spPr>
+        <p:txBody>
+          <a:bodyPr>
+            <a:normAutofit fontScale="90000"/>
+          </a:bodyPr>
+          <a:lstStyle/>
+          <a:p>
+            <a:r>
+              <a:rPr lang="fr-FR" dirty="0" smtClean="0"/>
+              <a:t>3. Perceptives </a:t>
+            </a:r>
+            <a:r>
+              <a:rPr lang="fr-FR" dirty="0" smtClean="0"/>
+              <a:t>d’améliorations du site:</a:t>
+            </a:r>
+            <a:r>
+              <a:rPr lang="fr-FR" dirty="0"/>
+              <a:t/>
+            </a:r>
+            <a:br>
+              <a:rPr lang="fr-FR" dirty="0"/>
+            </a:br>
+            <a:endParaRPr lang="fr-FR" dirty="0"/>
+          </a:p>
+        </p:txBody>
+      </p:sp>
+      <p:sp>
+        <p:nvSpPr>
+          <p:cNvPr id="3" name="Espace réservé du contenu 2"/>
+          <p:cNvSpPr>
+            <a:spLocks noGrp="1"/>
+          </p:cNvSpPr>
+          <p:nvPr>
+            <p:ph idx="1"/>
+          </p:nvPr>
+        </p:nvSpPr>
+        <p:spPr>
+          <a:xfrm>
+            <a:off x="1048265" y="2199733"/>
+            <a:ext cx="7083364" cy="2524668"/>
+          </a:xfrm>
+        </p:spPr>
+        <p:txBody>
+          <a:bodyPr/>
+          <a:lstStyle/>
+          <a:p>
+            <a:r>
+              <a:rPr lang="fr-FR" dirty="0" smtClean="0"/>
+              <a:t>Inscriptions/connexion</a:t>
+            </a:r>
+          </a:p>
+          <a:p>
+            <a:r>
+              <a:rPr lang="fr-FR" dirty="0" smtClean="0"/>
+              <a:t>Téléchargement du logiciel</a:t>
+            </a:r>
+          </a:p>
+          <a:p>
+            <a:r>
+              <a:rPr lang="fr-FR" dirty="0" smtClean="0"/>
+              <a:t>Espace membre</a:t>
+            </a:r>
+          </a:p>
+          <a:p>
+            <a:r>
+              <a:rPr lang="fr-FR" dirty="0" smtClean="0"/>
+              <a:t>Amélioration graphique de </a:t>
+            </a:r>
+            <a:r>
+              <a:rPr lang="fr-FR" dirty="0" smtClean="0"/>
+              <a:t>l’interface utilisateur </a:t>
+            </a:r>
+            <a:r>
+              <a:rPr lang="fr-FR" dirty="0" smtClean="0"/>
+              <a:t>du </a:t>
+            </a:r>
+            <a:r>
+              <a:rPr lang="fr-FR" dirty="0" smtClean="0"/>
+              <a:t>logiciel</a:t>
+            </a:r>
+            <a:endParaRPr lang="fr-FR" dirty="0"/>
+          </a:p>
+        </p:txBody>
+      </p:sp>
+    </p:spTree>
+    <p:extLst>
+      <p:ext uri="{BB962C8B-B14F-4D97-AF65-F5344CB8AC3E}">
+        <p14:creationId xmlns:p14="http://schemas.microsoft.com/office/powerpoint/2010/main" val="222403915"/>
+      </p:ext>
+    </p:extLst>
+  </p:cSld>
+  <p:clrMapOvr>
+    <a:masterClrMapping/>
+  </p:clrMapOvr>
+  <p:timing>
+    <p:tnLst>
+      <p:par>
+        <p:cTn id="1" dur="indefinite" restart="never" nodeType="tmRoot"/>
+      </p:par>
+    </p:tnLst>
+  </p:timing>
+</p:sld>
+</file>
+
+<file path=ppt/slides/slide9.xml><?xml version="1.0" encoding="utf-8"?>
+<p:sld xmlns:a="http://schemas.openxmlformats.org/drawingml/2006/main" xmlns:r="http://schemas.openxmlformats.org/officeDocument/2006/relationships" xmlns:p="http://schemas.openxmlformats.org/presentationml/2006/main">
+  <p:cSld>
+    <p:spTree>
+      <p:nvGrpSpPr>
+        <p:cNvPr id="1" name=""/>
+        <p:cNvGrpSpPr/>
+        <p:nvPr/>
+      </p:nvGrpSpPr>
+      <p:grpSpPr>
+        <a:xfrm>
+          <a:off x="0" y="0"/>
+          <a:ext cx="0" cy="0"/>
+          <a:chOff x="0" y="0"/>
+          <a:chExt cx="0" cy="0"/>
+        </a:xfrm>
+      </p:grpSpPr>
+      <p:sp>
+        <p:nvSpPr>
+          <p:cNvPr id="2" name="Title 1"/>
+          <p:cNvSpPr>
+            <a:spLocks noGrp="1"/>
+          </p:cNvSpPr>
+          <p:nvPr>
+            <p:ph type="title"/>
+          </p:nvPr>
+        </p:nvSpPr>
         <p:spPr/>
         <p:txBody>
           <a:bodyPr/>
@@ -6581,7 +7435,7 @@
           <a:p>
             <a:r>
               <a:rPr lang="fr-FR" dirty="0" smtClean="0"/>
-              <a:t>Conclusion</a:t>
+              <a:t>4. Conclusion:</a:t>
             </a:r>
             <a:endParaRPr lang="fr-FR" dirty="0"/>
           </a:p>
@@ -6609,34 +7463,46 @@
           <a:p>
             <a:r>
               <a:rPr lang="fr-FR" dirty="0" smtClean="0"/>
-              <a:t>De nouvelles connaissances/réflexes</a:t>
-            </a:r>
-          </a:p>
-          <a:p>
+              <a:t>Acquisition d</a:t>
+            </a:r>
             <a:r>
               <a:rPr lang="fr-FR" dirty="0" smtClean="0"/>
-              <a:t>Expérience</a:t>
+              <a:t>e </a:t>
+            </a:r>
+            <a:r>
+              <a:rPr lang="fr-FR" dirty="0" smtClean="0"/>
+              <a:t>nouvelles </a:t>
+            </a:r>
+            <a:r>
+              <a:rPr lang="fr-FR" dirty="0" smtClean="0"/>
+              <a:t>connaissances en langage informatique</a:t>
+            </a:r>
+          </a:p>
+          <a:p>
+            <a:r>
+              <a:rPr lang="fr-FR" dirty="0"/>
+              <a:t>A</a:t>
+            </a:r>
+            <a:r>
+              <a:rPr lang="fr-FR" dirty="0" smtClean="0"/>
+              <a:t>mélioration de la méthode de travail</a:t>
+            </a:r>
+          </a:p>
+          <a:p>
+            <a:r>
+              <a:rPr lang="fr-FR" dirty="0" smtClean="0"/>
+              <a:t>Travail en équipe stimulant</a:t>
             </a:r>
             <a:endParaRPr lang="fr-FR" dirty="0"/>
           </a:p>
           <a:p>
             <a:r>
               <a:rPr lang="fr-FR" dirty="0" smtClean="0"/>
-              <a:t>Dynamique </a:t>
-            </a:r>
-            <a:r>
-              <a:rPr lang="fr-FR" dirty="0"/>
-              <a:t>de </a:t>
+              <a:t>Nouvelle </a:t>
             </a:r>
             <a:r>
               <a:rPr lang="fr-FR" dirty="0" smtClean="0"/>
-              <a:t>groupe</a:t>
-            </a:r>
-          </a:p>
-          <a:p>
-            <a:r>
-              <a:rPr lang="fr-FR" dirty="0" smtClean="0"/>
-              <a:t>Nouvelle version</a:t>
+              <a:t>version</a:t>
             </a:r>
             <a:endParaRPr lang="fr-FR" dirty="0"/>
           </a:p>
@@ -6652,6 +7518,13 @@
   <p:clrMapOvr>
     <a:masterClrMapping/>
   </p:clrMapOvr>
+  <p:timing>
+    <p:tnLst>
+      <p:par>
+        <p:cTn id="1" dur="indefinite" restart="never" nodeType="tmRoot"/>
+      </p:par>
+    </p:tnLst>
+  </p:timing>
 </p:sld>
 </file>
 
@@ -6698,7 +7571,7 @@
     </a:clrScheme>
     <a:fontScheme name="Celestial">
       <a:majorFont>
-        <a:latin typeface="Calibri Light" panose="020F0302020204030204"/>
+        <a:latin typeface="Calibri Light"/>
         <a:ea typeface=""/>
         <a:cs typeface=""/>
         <a:font script="Jpan" typeface="ＭＳ Ｐゴシック"/>
@@ -6733,7 +7606,7 @@
         <a:font script="Geor" typeface="Sylfaen"/>
       </a:majorFont>
       <a:minorFont>
-        <a:latin typeface="Calibri" panose="020F0502020204030204"/>
+        <a:latin typeface="Calibri"/>
         <a:ea typeface=""/>
         <a:cs typeface=""/>
         <a:font script="Jpan" typeface="ＭＳ Ｐゴシック"/>
